--- a/SEMGREP.pptx
+++ b/SEMGREP.pptx
@@ -8,14 +8,22 @@
     <p:sldId id="256" r:id="rId2"/>
     <p:sldId id="257" r:id="rId3"/>
     <p:sldId id="258" r:id="rId4"/>
-    <p:sldId id="259" r:id="rId5"/>
-    <p:sldId id="260" r:id="rId6"/>
-    <p:sldId id="265" r:id="rId7"/>
-    <p:sldId id="261" r:id="rId8"/>
-    <p:sldId id="262" r:id="rId9"/>
-    <p:sldId id="263" r:id="rId10"/>
-    <p:sldId id="264" r:id="rId11"/>
-    <p:sldId id="266" r:id="rId12"/>
+    <p:sldId id="267" r:id="rId5"/>
+    <p:sldId id="259" r:id="rId6"/>
+    <p:sldId id="270" r:id="rId7"/>
+    <p:sldId id="260" r:id="rId8"/>
+    <p:sldId id="265" r:id="rId9"/>
+    <p:sldId id="261" r:id="rId10"/>
+    <p:sldId id="262" r:id="rId11"/>
+    <p:sldId id="271" r:id="rId12"/>
+    <p:sldId id="269" r:id="rId13"/>
+    <p:sldId id="268" r:id="rId14"/>
+    <p:sldId id="264" r:id="rId15"/>
+    <p:sldId id="266" r:id="rId16"/>
+    <p:sldId id="272" r:id="rId17"/>
+    <p:sldId id="274" r:id="rId18"/>
+    <p:sldId id="275" r:id="rId19"/>
+    <p:sldId id="273" r:id="rId20"/>
   </p:sldIdLst>
   <p:sldSz cx="12192000" cy="6858000"/>
   <p:notesSz cx="6858000" cy="9144000"/>
@@ -114,6 +122,11 @@
       </a:defRPr>
     </a:lvl9pPr>
   </p:defaultTextStyle>
+  <p:extLst>
+    <p:ext uri="{EFAFB233-063F-42B5-8137-9DF3F51BA10A}">
+      <p15:sldGuideLst xmlns:p15="http://schemas.microsoft.com/office/powerpoint/2012/main"/>
+    </p:ext>
+  </p:extLst>
 </p:presentation>
 </file>
 
@@ -391,7 +404,7 @@
           <a:p>
             <a:fld id="{397E0307-B85C-446A-8EF0-0407D435D787}" type="datetimeFigureOut">
               <a:rPr lang="en-US" dirty="0"/>
-              <a:t>9/6/2023</a:t>
+              <a:t>9/14/2023</a:t>
             </a:fld>
             <a:endParaRPr lang="en-US" dirty="0"/>
           </a:p>
@@ -800,7 +813,7 @@
           <a:p>
             <a:fld id="{8BD862E7-95FA-4FC4-9EC5-DDBFA8DC7417}" type="datetimeFigureOut">
               <a:rPr lang="en-US" dirty="0"/>
-              <a:t>9/6/2023</a:t>
+              <a:t>9/14/2023</a:t>
             </a:fld>
             <a:endParaRPr lang="en-US" dirty="0"/>
           </a:p>
@@ -1131,7 +1144,7 @@
           <a:p>
             <a:fld id="{8DB987F2-A784-4F72-BB57-0E9EACDE722E}" type="datetimeFigureOut">
               <a:rPr lang="en-US" dirty="0"/>
-              <a:t>9/6/2023</a:t>
+              <a:t>9/14/2023</a:t>
             </a:fld>
             <a:endParaRPr lang="en-US" dirty="0"/>
           </a:p>
@@ -1531,7 +1544,7 @@
           <a:p>
             <a:fld id="{40BBD51E-4B19-444E-85C0-DBD7EB6263F4}" type="datetimeFigureOut">
               <a:rPr lang="en-US" dirty="0"/>
-              <a:t>9/6/2023</a:t>
+              <a:t>9/14/2023</a:t>
             </a:fld>
             <a:endParaRPr lang="en-US" dirty="0"/>
           </a:p>
@@ -2094,7 +2107,7 @@
           <a:p>
             <a:fld id="{F0D7255A-4AD5-4D3E-9A0A-689DA3BA976C}" type="datetimeFigureOut">
               <a:rPr lang="en-US" dirty="0"/>
-              <a:t>9/6/2023</a:t>
+              <a:t>9/14/2023</a:t>
             </a:fld>
             <a:endParaRPr lang="en-US" dirty="0"/>
           </a:p>
@@ -2770,7 +2783,7 @@
           <a:p>
             <a:fld id="{3EE0AD15-87AC-45B2-9EE5-8D165AF83CD7}" type="datetimeFigureOut">
               <a:rPr lang="en-US" dirty="0"/>
-              <a:t>9/6/2023</a:t>
+              <a:t>9/14/2023</a:t>
             </a:fld>
             <a:endParaRPr lang="en-US" dirty="0"/>
           </a:p>
@@ -3678,7 +3691,7 @@
           <a:p>
             <a:fld id="{FCC40CCD-F0D6-4CC2-A4C8-2D7D0D875F02}" type="datetimeFigureOut">
               <a:rPr lang="en-US" dirty="0"/>
-              <a:t>9/6/2023</a:t>
+              <a:t>9/14/2023</a:t>
             </a:fld>
             <a:endParaRPr lang="en-US" dirty="0"/>
           </a:p>
@@ -3986,7 +3999,7 @@
           <a:p>
             <a:fld id="{B3CFE2CC-454D-4466-AC55-B86DA0A87BAE}" type="datetimeFigureOut">
               <a:rPr lang="en-US" dirty="0"/>
-              <a:t>9/6/2023</a:t>
+              <a:t>9/14/2023</a:t>
             </a:fld>
             <a:endParaRPr lang="en-US" dirty="0"/>
           </a:p>
@@ -4245,7 +4258,7 @@
           <a:p>
             <a:fld id="{B647B1BF-4039-460D-A637-65428CBD720E}" type="datetimeFigureOut">
               <a:rPr lang="en-US" dirty="0"/>
-              <a:t>9/6/2023</a:t>
+              <a:t>9/14/2023</a:t>
             </a:fld>
             <a:endParaRPr lang="en-US" dirty="0"/>
           </a:p>
@@ -4564,7 +4577,7 @@
           <a:p>
             <a:fld id="{AAA39ACE-9343-4EBE-B5CA-AEA240A1DC53}" type="datetimeFigureOut">
               <a:rPr lang="en-US" dirty="0"/>
-              <a:t>9/6/2023</a:t>
+              <a:t>9/14/2023</a:t>
             </a:fld>
             <a:endParaRPr lang="en-US" dirty="0"/>
           </a:p>
@@ -4948,7 +4961,7 @@
           <a:p>
             <a:fld id="{C9A00F7B-89C5-4DF7-A309-6263220147D4}" type="datetimeFigureOut">
               <a:rPr lang="en-US" dirty="0"/>
-              <a:t>9/6/2023</a:t>
+              <a:t>9/14/2023</a:t>
             </a:fld>
             <a:endParaRPr lang="en-US" dirty="0"/>
           </a:p>
@@ -5319,7 +5332,7 @@
           <a:p>
             <a:fld id="{449C95DE-FD64-4606-AE61-EC1136867CC6}" type="datetimeFigureOut">
               <a:rPr lang="en-US" dirty="0"/>
-              <a:t>9/6/2023</a:t>
+              <a:t>9/14/2023</a:t>
             </a:fld>
             <a:endParaRPr lang="en-US" dirty="0"/>
           </a:p>
@@ -5820,7 +5833,7 @@
           <a:p>
             <a:fld id="{5DEB0BBD-30FE-4CF1-900A-0C45149F8AF8}" type="datetimeFigureOut">
               <a:rPr lang="en-US" dirty="0"/>
-              <a:t>9/6/2023</a:t>
+              <a:t>9/14/2023</a:t>
             </a:fld>
             <a:endParaRPr lang="en-US" dirty="0"/>
           </a:p>
@@ -6072,7 +6085,7 @@
           <a:p>
             <a:fld id="{B91A5F7F-3E81-4C65-A4D1-CB62D5B9DB91}" type="datetimeFigureOut">
               <a:rPr lang="en-US" dirty="0"/>
-              <a:t>9/6/2023</a:t>
+              <a:t>9/14/2023</a:t>
             </a:fld>
             <a:endParaRPr lang="en-US" dirty="0"/>
           </a:p>
@@ -6230,7 +6243,7 @@
           <a:p>
             <a:fld id="{377ECC86-1672-4627-AEFE-EC5485C73905}" type="datetimeFigureOut">
               <a:rPr lang="en-US" dirty="0"/>
-              <a:t>9/6/2023</a:t>
+              <a:t>9/14/2023</a:t>
             </a:fld>
             <a:endParaRPr lang="en-US" dirty="0"/>
           </a:p>
@@ -6615,7 +6628,7 @@
           <a:p>
             <a:fld id="{3CDCB01F-D966-4C62-B900-0BE008A90C98}" type="datetimeFigureOut">
               <a:rPr lang="en-US" dirty="0"/>
-              <a:t>9/6/2023</a:t>
+              <a:t>9/14/2023</a:t>
             </a:fld>
             <a:endParaRPr lang="en-US" dirty="0"/>
           </a:p>
@@ -7019,7 +7032,7 @@
           <a:p>
             <a:fld id="{5E73A0EA-7DC7-4964-BB97-B173EF3B859A}" type="datetimeFigureOut">
               <a:rPr lang="en-US" dirty="0"/>
-              <a:t>9/6/2023</a:t>
+              <a:t>9/14/2023</a:t>
             </a:fld>
             <a:endParaRPr lang="en-US" dirty="0"/>
           </a:p>
@@ -7258,7 +7271,7 @@
           <a:p>
             <a:fld id="{30EF52CC-F3D9-41D4-BCE4-C208E61A3F31}" type="datetimeFigureOut">
               <a:rPr lang="en-US" dirty="0"/>
-              <a:t>9/6/2023</a:t>
+              <a:t>9/14/2023</a:t>
             </a:fld>
             <a:endParaRPr lang="en-US" dirty="0"/>
           </a:p>
@@ -7754,6 +7767,473 @@
           <p:cNvPr id="2" name="Title 1">
             <a:extLst>
               <a:ext uri="{FF2B5EF4-FFF2-40B4-BE49-F238E27FC236}">
+                <a16:creationId xmlns:a16="http://schemas.microsoft.com/office/drawing/2014/main" id="{16FCDD95-0C5A-BA10-6ABF-04621D088DC6}"/>
+              </a:ext>
+            </a:extLst>
+          </p:cNvPr>
+          <p:cNvSpPr>
+            <a:spLocks noGrp="1"/>
+          </p:cNvSpPr>
+          <p:nvPr>
+            <p:ph type="title"/>
+          </p:nvPr>
+        </p:nvSpPr>
+        <p:spPr/>
+        <p:txBody>
+          <a:bodyPr/>
+          <a:lstStyle/>
+          <a:p>
+            <a:r>
+              <a:rPr lang="en-IN" dirty="0"/>
+              <a:t>Writing Rules - locally</a:t>
+            </a:r>
+          </a:p>
+        </p:txBody>
+      </p:sp>
+      <p:sp>
+        <p:nvSpPr>
+          <p:cNvPr id="3" name="Content Placeholder 2">
+            <a:extLst>
+              <a:ext uri="{FF2B5EF4-FFF2-40B4-BE49-F238E27FC236}">
+                <a16:creationId xmlns:a16="http://schemas.microsoft.com/office/drawing/2014/main" id="{19459AE7-844B-F247-DCEC-15D1E49A49A3}"/>
+              </a:ext>
+            </a:extLst>
+          </p:cNvPr>
+          <p:cNvSpPr>
+            <a:spLocks noGrp="1"/>
+          </p:cNvSpPr>
+          <p:nvPr>
+            <p:ph idx="1"/>
+          </p:nvPr>
+        </p:nvSpPr>
+        <p:spPr/>
+        <p:txBody>
+          <a:bodyPr/>
+          <a:lstStyle/>
+          <a:p>
+            <a:r>
+              <a:rPr lang="en-IN" dirty="0"/>
+              <a:t>Running rules locally</a:t>
+            </a:r>
+          </a:p>
+          <a:p>
+            <a:pPr lvl="1"/>
+            <a:r>
+              <a:rPr lang="en-IN" dirty="0"/>
+              <a:t>Ephemeral rules </a:t>
+            </a:r>
+          </a:p>
+          <a:p>
+            <a:pPr lvl="2"/>
+            <a:r>
+              <a:rPr lang="en-US" dirty="0" err="1"/>
+              <a:t>semgrep</a:t>
+            </a:r>
+            <a:r>
+              <a:rPr lang="en-US" dirty="0"/>
+              <a:t> -e '$X == $X' --lang=</a:t>
+            </a:r>
+            <a:r>
+              <a:rPr lang="en-US" dirty="0" err="1"/>
+              <a:t>py</a:t>
+            </a:r>
+            <a:r>
+              <a:rPr lang="en-US" dirty="0"/>
+              <a:t> PATH/TO/SRC</a:t>
+            </a:r>
+            <a:endParaRPr lang="en-IN" dirty="0"/>
+          </a:p>
+          <a:p>
+            <a:pPr lvl="1"/>
+            <a:r>
+              <a:rPr lang="en-IN" dirty="0" err="1"/>
+              <a:t>Yaml</a:t>
+            </a:r>
+            <a:endParaRPr lang="en-IN" dirty="0"/>
+          </a:p>
+          <a:p>
+            <a:pPr lvl="2"/>
+            <a:r>
+              <a:rPr lang="en-US" dirty="0" err="1"/>
+              <a:t>semgrep</a:t>
+            </a:r>
+            <a:r>
+              <a:rPr lang="en-US" dirty="0"/>
+              <a:t> scan --config PATH/TO/MYRULE.YAML</a:t>
+            </a:r>
+            <a:endParaRPr lang="en-IN" dirty="0"/>
+          </a:p>
+          <a:p>
+            <a:r>
+              <a:rPr lang="en-IN" sz="2000" dirty="0"/>
+              <a:t>Ellipses(…)</a:t>
+            </a:r>
+          </a:p>
+          <a:p>
+            <a:r>
+              <a:rPr lang="en-IN" sz="2000" dirty="0"/>
+              <a:t>Meta variables($X)</a:t>
+            </a:r>
+          </a:p>
+          <a:p>
+            <a:endParaRPr lang="en-IN" dirty="0"/>
+          </a:p>
+        </p:txBody>
+      </p:sp>
+    </p:spTree>
+    <p:extLst>
+      <p:ext uri="{BB962C8B-B14F-4D97-AF65-F5344CB8AC3E}">
+        <p14:creationId xmlns:p14="http://schemas.microsoft.com/office/powerpoint/2010/main" val="3793369424"/>
+      </p:ext>
+    </p:extLst>
+  </p:cSld>
+  <p:clrMapOvr>
+    <a:masterClrMapping/>
+  </p:clrMapOvr>
+</p:sld>
+</file>
+
+<file path=ppt/slides/slide11.xml><?xml version="1.0" encoding="utf-8"?>
+<p:sld xmlns:a="http://schemas.openxmlformats.org/drawingml/2006/main" xmlns:r="http://schemas.openxmlformats.org/officeDocument/2006/relationships" xmlns:p="http://schemas.openxmlformats.org/presentationml/2006/main">
+  <p:cSld>
+    <p:spTree>
+      <p:nvGrpSpPr>
+        <p:cNvPr id="1" name=""/>
+        <p:cNvGrpSpPr/>
+        <p:nvPr/>
+      </p:nvGrpSpPr>
+      <p:grpSpPr>
+        <a:xfrm>
+          <a:off x="0" y="0"/>
+          <a:ext cx="0" cy="0"/>
+          <a:chOff x="0" y="0"/>
+          <a:chExt cx="0" cy="0"/>
+        </a:xfrm>
+      </p:grpSpPr>
+      <p:sp>
+        <p:nvSpPr>
+          <p:cNvPr id="2" name="Title 1">
+            <a:extLst>
+              <a:ext uri="{FF2B5EF4-FFF2-40B4-BE49-F238E27FC236}">
+                <a16:creationId xmlns:a16="http://schemas.microsoft.com/office/drawing/2014/main" id="{24BF3A33-A630-0998-A7A1-C8F57DC80866}"/>
+              </a:ext>
+            </a:extLst>
+          </p:cNvPr>
+          <p:cNvSpPr>
+            <a:spLocks noGrp="1"/>
+          </p:cNvSpPr>
+          <p:nvPr>
+            <p:ph type="title"/>
+          </p:nvPr>
+        </p:nvSpPr>
+        <p:spPr/>
+        <p:txBody>
+          <a:bodyPr/>
+          <a:lstStyle/>
+          <a:p>
+            <a:r>
+              <a:rPr lang="en-IN" dirty="0"/>
+              <a:t>Writing rules –in SCP</a:t>
+            </a:r>
+          </a:p>
+        </p:txBody>
+      </p:sp>
+      <p:pic>
+        <p:nvPicPr>
+          <p:cNvPr id="5" name="Content Placeholder 4">
+            <a:extLst>
+              <a:ext uri="{FF2B5EF4-FFF2-40B4-BE49-F238E27FC236}">
+                <a16:creationId xmlns:a16="http://schemas.microsoft.com/office/drawing/2014/main" id="{4D19D43C-888D-803A-4BC9-18135FE80202}"/>
+              </a:ext>
+            </a:extLst>
+          </p:cNvPr>
+          <p:cNvPicPr>
+            <a:picLocks noGrp="1" noChangeAspect="1"/>
+          </p:cNvPicPr>
+          <p:nvPr>
+            <p:ph idx="1"/>
+          </p:nvPr>
+        </p:nvPicPr>
+        <p:blipFill>
+          <a:blip r:embed="rId2"/>
+          <a:stretch>
+            <a:fillRect/>
+          </a:stretch>
+        </p:blipFill>
+        <p:spPr>
+          <a:xfrm>
+            <a:off x="2001200" y="2336800"/>
+            <a:ext cx="7432049" cy="3835468"/>
+          </a:xfrm>
+        </p:spPr>
+      </p:pic>
+    </p:spTree>
+    <p:extLst>
+      <p:ext uri="{BB962C8B-B14F-4D97-AF65-F5344CB8AC3E}">
+        <p14:creationId xmlns:p14="http://schemas.microsoft.com/office/powerpoint/2010/main" val="3106105441"/>
+      </p:ext>
+    </p:extLst>
+  </p:cSld>
+  <p:clrMapOvr>
+    <a:masterClrMapping/>
+  </p:clrMapOvr>
+</p:sld>
+</file>
+
+<file path=ppt/slides/slide12.xml><?xml version="1.0" encoding="utf-8"?>
+<p:sld xmlns:a="http://schemas.openxmlformats.org/drawingml/2006/main" xmlns:r="http://schemas.openxmlformats.org/officeDocument/2006/relationships" xmlns:p="http://schemas.openxmlformats.org/presentationml/2006/main">
+  <p:cSld>
+    <p:spTree>
+      <p:nvGrpSpPr>
+        <p:cNvPr id="1" name=""/>
+        <p:cNvGrpSpPr/>
+        <p:nvPr/>
+      </p:nvGrpSpPr>
+      <p:grpSpPr>
+        <a:xfrm>
+          <a:off x="0" y="0"/>
+          <a:ext cx="0" cy="0"/>
+          <a:chOff x="0" y="0"/>
+          <a:chExt cx="0" cy="0"/>
+        </a:xfrm>
+      </p:grpSpPr>
+      <p:sp>
+        <p:nvSpPr>
+          <p:cNvPr id="2" name="Title 1">
+            <a:extLst>
+              <a:ext uri="{FF2B5EF4-FFF2-40B4-BE49-F238E27FC236}">
+                <a16:creationId xmlns:a16="http://schemas.microsoft.com/office/drawing/2014/main" id="{6273A45B-F170-4E47-410D-F6BEC6A24153}"/>
+              </a:ext>
+            </a:extLst>
+          </p:cNvPr>
+          <p:cNvSpPr>
+            <a:spLocks noGrp="1"/>
+          </p:cNvSpPr>
+          <p:nvPr>
+            <p:ph type="title"/>
+          </p:nvPr>
+        </p:nvSpPr>
+        <p:spPr/>
+        <p:txBody>
+          <a:bodyPr/>
+          <a:lstStyle/>
+          <a:p>
+            <a:r>
+              <a:rPr lang="en-IN" dirty="0"/>
+              <a:t>Pattern Example 1</a:t>
+            </a:r>
+          </a:p>
+        </p:txBody>
+      </p:sp>
+      <p:sp>
+        <p:nvSpPr>
+          <p:cNvPr id="7" name="Content Placeholder 6">
+            <a:extLst>
+              <a:ext uri="{FF2B5EF4-FFF2-40B4-BE49-F238E27FC236}">
+                <a16:creationId xmlns:a16="http://schemas.microsoft.com/office/drawing/2014/main" id="{4A9DAC13-8DE5-D168-372C-77CEB7F44D17}"/>
+              </a:ext>
+            </a:extLst>
+          </p:cNvPr>
+          <p:cNvSpPr>
+            <a:spLocks noGrp="1"/>
+          </p:cNvSpPr>
+          <p:nvPr>
+            <p:ph idx="1"/>
+          </p:nvPr>
+        </p:nvSpPr>
+        <p:spPr/>
+        <p:txBody>
+          <a:bodyPr/>
+          <a:lstStyle/>
+          <a:p>
+            <a:endParaRPr lang="en-IN"/>
+          </a:p>
+        </p:txBody>
+      </p:sp>
+      <p:pic>
+        <p:nvPicPr>
+          <p:cNvPr id="9" name="Picture 8">
+            <a:extLst>
+              <a:ext uri="{FF2B5EF4-FFF2-40B4-BE49-F238E27FC236}">
+                <a16:creationId xmlns:a16="http://schemas.microsoft.com/office/drawing/2014/main" id="{AD1A3812-C5B3-F1EE-8D64-FE849AE5ABF9}"/>
+              </a:ext>
+            </a:extLst>
+          </p:cNvPr>
+          <p:cNvPicPr>
+            <a:picLocks noChangeAspect="1"/>
+          </p:cNvPicPr>
+          <p:nvPr/>
+        </p:nvPicPr>
+        <p:blipFill>
+          <a:blip r:embed="rId2"/>
+          <a:stretch>
+            <a:fillRect/>
+          </a:stretch>
+        </p:blipFill>
+        <p:spPr>
+          <a:xfrm>
+            <a:off x="836942" y="2336873"/>
+            <a:ext cx="9457240" cy="4128401"/>
+          </a:xfrm>
+          <a:prstGeom prst="rect">
+            <a:avLst/>
+          </a:prstGeom>
+        </p:spPr>
+      </p:pic>
+    </p:spTree>
+    <p:extLst>
+      <p:ext uri="{BB962C8B-B14F-4D97-AF65-F5344CB8AC3E}">
+        <p14:creationId xmlns:p14="http://schemas.microsoft.com/office/powerpoint/2010/main" val="3841020212"/>
+      </p:ext>
+    </p:extLst>
+  </p:cSld>
+  <p:clrMapOvr>
+    <a:masterClrMapping/>
+  </p:clrMapOvr>
+</p:sld>
+</file>
+
+<file path=ppt/slides/slide13.xml><?xml version="1.0" encoding="utf-8"?>
+<p:sld xmlns:a="http://schemas.openxmlformats.org/drawingml/2006/main" xmlns:r="http://schemas.openxmlformats.org/officeDocument/2006/relationships" xmlns:p="http://schemas.openxmlformats.org/presentationml/2006/main">
+  <p:cSld>
+    <p:spTree>
+      <p:nvGrpSpPr>
+        <p:cNvPr id="1" name=""/>
+        <p:cNvGrpSpPr/>
+        <p:nvPr/>
+      </p:nvGrpSpPr>
+      <p:grpSpPr>
+        <a:xfrm>
+          <a:off x="0" y="0"/>
+          <a:ext cx="0" cy="0"/>
+          <a:chOff x="0" y="0"/>
+          <a:chExt cx="0" cy="0"/>
+        </a:xfrm>
+      </p:grpSpPr>
+      <p:sp>
+        <p:nvSpPr>
+          <p:cNvPr id="2" name="Title 1">
+            <a:extLst>
+              <a:ext uri="{FF2B5EF4-FFF2-40B4-BE49-F238E27FC236}">
+                <a16:creationId xmlns:a16="http://schemas.microsoft.com/office/drawing/2014/main" id="{7269A2E7-D1E2-16DC-83BB-E06EE7B414C9}"/>
+              </a:ext>
+            </a:extLst>
+          </p:cNvPr>
+          <p:cNvSpPr>
+            <a:spLocks noGrp="1"/>
+          </p:cNvSpPr>
+          <p:nvPr>
+            <p:ph type="title"/>
+          </p:nvPr>
+        </p:nvSpPr>
+        <p:spPr/>
+        <p:txBody>
+          <a:bodyPr/>
+          <a:lstStyle/>
+          <a:p>
+            <a:r>
+              <a:rPr lang="en-IN" dirty="0"/>
+              <a:t>Pattern Example2</a:t>
+            </a:r>
+          </a:p>
+        </p:txBody>
+      </p:sp>
+      <p:sp>
+        <p:nvSpPr>
+          <p:cNvPr id="13" name="Content Placeholder 12">
+            <a:extLst>
+              <a:ext uri="{FF2B5EF4-FFF2-40B4-BE49-F238E27FC236}">
+                <a16:creationId xmlns:a16="http://schemas.microsoft.com/office/drawing/2014/main" id="{D79B066E-054E-BAE4-7515-934554B8E14E}"/>
+              </a:ext>
+            </a:extLst>
+          </p:cNvPr>
+          <p:cNvSpPr>
+            <a:spLocks noGrp="1"/>
+          </p:cNvSpPr>
+          <p:nvPr>
+            <p:ph idx="1"/>
+          </p:nvPr>
+        </p:nvSpPr>
+        <p:spPr/>
+        <p:txBody>
+          <a:bodyPr/>
+          <a:lstStyle/>
+          <a:p>
+            <a:r>
+              <a:rPr lang="en-IN" dirty="0"/>
+              <a:t>python.aws-lambda.deserialization.tainted-jsonpickle-aws-lambda.</a:t>
+            </a:r>
+          </a:p>
+          <a:p>
+            <a:endParaRPr lang="en-IN" dirty="0"/>
+          </a:p>
+        </p:txBody>
+      </p:sp>
+      <p:pic>
+        <p:nvPicPr>
+          <p:cNvPr id="15" name="Picture 14">
+            <a:extLst>
+              <a:ext uri="{FF2B5EF4-FFF2-40B4-BE49-F238E27FC236}">
+                <a16:creationId xmlns:a16="http://schemas.microsoft.com/office/drawing/2014/main" id="{910C8BE3-2386-E00F-CCF1-4671AFA84706}"/>
+              </a:ext>
+            </a:extLst>
+          </p:cNvPr>
+          <p:cNvPicPr>
+            <a:picLocks noChangeAspect="1"/>
+          </p:cNvPicPr>
+          <p:nvPr/>
+        </p:nvPicPr>
+        <p:blipFill>
+          <a:blip r:embed="rId2"/>
+          <a:stretch>
+            <a:fillRect/>
+          </a:stretch>
+        </p:blipFill>
+        <p:spPr>
+          <a:xfrm>
+            <a:off x="1161718" y="3081400"/>
+            <a:ext cx="8812708" cy="3599317"/>
+          </a:xfrm>
+          <a:prstGeom prst="rect">
+            <a:avLst/>
+          </a:prstGeom>
+        </p:spPr>
+      </p:pic>
+    </p:spTree>
+    <p:extLst>
+      <p:ext uri="{BB962C8B-B14F-4D97-AF65-F5344CB8AC3E}">
+        <p14:creationId xmlns:p14="http://schemas.microsoft.com/office/powerpoint/2010/main" val="1987621849"/>
+      </p:ext>
+    </p:extLst>
+  </p:cSld>
+  <p:clrMapOvr>
+    <a:masterClrMapping/>
+  </p:clrMapOvr>
+</p:sld>
+</file>
+
+<file path=ppt/slides/slide14.xml><?xml version="1.0" encoding="utf-8"?>
+<p:sld xmlns:a="http://schemas.openxmlformats.org/drawingml/2006/main" xmlns:r="http://schemas.openxmlformats.org/officeDocument/2006/relationships" xmlns:p="http://schemas.openxmlformats.org/presentationml/2006/main">
+  <p:cSld>
+    <p:spTree>
+      <p:nvGrpSpPr>
+        <p:cNvPr id="1" name=""/>
+        <p:cNvGrpSpPr/>
+        <p:nvPr/>
+      </p:nvGrpSpPr>
+      <p:grpSpPr>
+        <a:xfrm>
+          <a:off x="0" y="0"/>
+          <a:ext cx="0" cy="0"/>
+          <a:chOff x="0" y="0"/>
+          <a:chExt cx="0" cy="0"/>
+        </a:xfrm>
+      </p:grpSpPr>
+      <p:sp>
+        <p:nvSpPr>
+          <p:cNvPr id="2" name="Title 1">
+            <a:extLst>
+              <a:ext uri="{FF2B5EF4-FFF2-40B4-BE49-F238E27FC236}">
                 <a16:creationId xmlns:a16="http://schemas.microsoft.com/office/drawing/2014/main" id="{1823B3E1-921E-C971-CA4B-150E4DF004B4}"/>
               </a:ext>
             </a:extLst>
@@ -7819,7 +8299,7 @@
 </p:sld>
 </file>
 
-<file path=ppt/slides/slide11.xml><?xml version="1.0" encoding="utf-8"?>
+<file path=ppt/slides/slide15.xml><?xml version="1.0" encoding="utf-8"?>
 <p:sld xmlns:a="http://schemas.openxmlformats.org/drawingml/2006/main" xmlns:r="http://schemas.openxmlformats.org/officeDocument/2006/relationships" xmlns:p="http://schemas.openxmlformats.org/presentationml/2006/main">
   <p:cSld>
     <p:spTree>
@@ -7866,10 +8346,409 @@
           </a:prstGeom>
         </p:spPr>
       </p:pic>
+      <p:pic>
+        <p:nvPicPr>
+          <p:cNvPr id="4" name="Picture 3">
+            <a:extLst>
+              <a:ext uri="{FF2B5EF4-FFF2-40B4-BE49-F238E27FC236}">
+                <a16:creationId xmlns:a16="http://schemas.microsoft.com/office/drawing/2014/main" id="{ED3E52C6-CCC0-FE75-3C8D-75DC904F63BD}"/>
+              </a:ext>
+            </a:extLst>
+          </p:cNvPr>
+          <p:cNvPicPr>
+            <a:picLocks noChangeAspect="1"/>
+          </p:cNvPicPr>
+          <p:nvPr/>
+        </p:nvPicPr>
+        <p:blipFill>
+          <a:blip r:embed="rId3"/>
+          <a:stretch>
+            <a:fillRect/>
+          </a:stretch>
+        </p:blipFill>
+        <p:spPr>
+          <a:xfrm>
+            <a:off x="0" y="693779"/>
+            <a:ext cx="11388374" cy="5109862"/>
+          </a:xfrm>
+          <a:prstGeom prst="rect">
+            <a:avLst/>
+          </a:prstGeom>
+        </p:spPr>
+      </p:pic>
     </p:spTree>
     <p:extLst>
       <p:ext uri="{BB962C8B-B14F-4D97-AF65-F5344CB8AC3E}">
         <p14:creationId xmlns:p14="http://schemas.microsoft.com/office/powerpoint/2010/main" val="4126929548"/>
+      </p:ext>
+    </p:extLst>
+  </p:cSld>
+  <p:clrMapOvr>
+    <a:masterClrMapping/>
+  </p:clrMapOvr>
+</p:sld>
+</file>
+
+<file path=ppt/slides/slide16.xml><?xml version="1.0" encoding="utf-8"?>
+<p:sld xmlns:a="http://schemas.openxmlformats.org/drawingml/2006/main" xmlns:r="http://schemas.openxmlformats.org/officeDocument/2006/relationships" xmlns:p="http://schemas.openxmlformats.org/presentationml/2006/main">
+  <p:cSld>
+    <p:spTree>
+      <p:nvGrpSpPr>
+        <p:cNvPr id="1" name=""/>
+        <p:cNvGrpSpPr/>
+        <p:nvPr/>
+      </p:nvGrpSpPr>
+      <p:grpSpPr>
+        <a:xfrm>
+          <a:off x="0" y="0"/>
+          <a:ext cx="0" cy="0"/>
+          <a:chOff x="0" y="0"/>
+          <a:chExt cx="0" cy="0"/>
+        </a:xfrm>
+      </p:grpSpPr>
+      <p:pic>
+        <p:nvPicPr>
+          <p:cNvPr id="3" name="Picture 2">
+            <a:extLst>
+              <a:ext uri="{FF2B5EF4-FFF2-40B4-BE49-F238E27FC236}">
+                <a16:creationId xmlns:a16="http://schemas.microsoft.com/office/drawing/2014/main" id="{1EE1BD29-9B51-4DEB-B430-1E5A33068C78}"/>
+              </a:ext>
+            </a:extLst>
+          </p:cNvPr>
+          <p:cNvPicPr>
+            <a:picLocks noChangeAspect="1"/>
+          </p:cNvPicPr>
+          <p:nvPr/>
+        </p:nvPicPr>
+        <p:blipFill>
+          <a:blip r:embed="rId2"/>
+          <a:stretch>
+            <a:fillRect/>
+          </a:stretch>
+        </p:blipFill>
+        <p:spPr>
+          <a:xfrm>
+            <a:off x="450237" y="632805"/>
+            <a:ext cx="11291526" cy="5245482"/>
+          </a:xfrm>
+          <a:prstGeom prst="rect">
+            <a:avLst/>
+          </a:prstGeom>
+        </p:spPr>
+      </p:pic>
+    </p:spTree>
+    <p:extLst>
+      <p:ext uri="{BB962C8B-B14F-4D97-AF65-F5344CB8AC3E}">
+        <p14:creationId xmlns:p14="http://schemas.microsoft.com/office/powerpoint/2010/main" val="3571181360"/>
+      </p:ext>
+    </p:extLst>
+  </p:cSld>
+  <p:clrMapOvr>
+    <a:masterClrMapping/>
+  </p:clrMapOvr>
+</p:sld>
+</file>
+
+<file path=ppt/slides/slide17.xml><?xml version="1.0" encoding="utf-8"?>
+<p:sld xmlns:a="http://schemas.openxmlformats.org/drawingml/2006/main" xmlns:r="http://schemas.openxmlformats.org/officeDocument/2006/relationships" xmlns:p="http://schemas.openxmlformats.org/presentationml/2006/main">
+  <p:cSld>
+    <p:spTree>
+      <p:nvGrpSpPr>
+        <p:cNvPr id="1" name=""/>
+        <p:cNvGrpSpPr/>
+        <p:nvPr/>
+      </p:nvGrpSpPr>
+      <p:grpSpPr>
+        <a:xfrm>
+          <a:off x="0" y="0"/>
+          <a:ext cx="0" cy="0"/>
+          <a:chOff x="0" y="0"/>
+          <a:chExt cx="0" cy="0"/>
+        </a:xfrm>
+      </p:grpSpPr>
+      <p:sp>
+        <p:nvSpPr>
+          <p:cNvPr id="2" name="Title 1">
+            <a:extLst>
+              <a:ext uri="{FF2B5EF4-FFF2-40B4-BE49-F238E27FC236}">
+                <a16:creationId xmlns:a16="http://schemas.microsoft.com/office/drawing/2014/main" id="{E9C02A64-C644-FAE2-4CAF-AA90D595846B}"/>
+              </a:ext>
+            </a:extLst>
+          </p:cNvPr>
+          <p:cNvSpPr>
+            <a:spLocks noGrp="1"/>
+          </p:cNvSpPr>
+          <p:nvPr>
+            <p:ph type="title"/>
+          </p:nvPr>
+        </p:nvSpPr>
+        <p:spPr/>
+        <p:txBody>
+          <a:bodyPr/>
+          <a:lstStyle/>
+          <a:p>
+            <a:r>
+              <a:rPr lang="en-IN" dirty="0"/>
+              <a:t>Benefits</a:t>
+            </a:r>
+          </a:p>
+        </p:txBody>
+      </p:sp>
+      <p:sp>
+        <p:nvSpPr>
+          <p:cNvPr id="3" name="Content Placeholder 2">
+            <a:extLst>
+              <a:ext uri="{FF2B5EF4-FFF2-40B4-BE49-F238E27FC236}">
+                <a16:creationId xmlns:a16="http://schemas.microsoft.com/office/drawing/2014/main" id="{010C745D-06E6-D26E-8C07-2F4F54ECA996}"/>
+              </a:ext>
+            </a:extLst>
+          </p:cNvPr>
+          <p:cNvSpPr>
+            <a:spLocks noGrp="1"/>
+          </p:cNvSpPr>
+          <p:nvPr>
+            <p:ph idx="1"/>
+          </p:nvPr>
+        </p:nvSpPr>
+        <p:spPr/>
+        <p:txBody>
+          <a:bodyPr/>
+          <a:lstStyle/>
+          <a:p>
+            <a:r>
+              <a:rPr lang="en-US" dirty="0"/>
+              <a:t>Rules look like the code you already write; no abstract syntax trees, regex</a:t>
+            </a:r>
+          </a:p>
+          <a:p>
+            <a:r>
+              <a:rPr lang="en-IN" dirty="0" err="1"/>
+              <a:t>Semgrep</a:t>
+            </a:r>
+            <a:r>
+              <a:rPr lang="en-IN" dirty="0"/>
+              <a:t> supports user-defined </a:t>
+            </a:r>
+            <a:r>
+              <a:rPr lang="en-IN" dirty="0" err="1"/>
+              <a:t>autofixes</a:t>
+            </a:r>
+            <a:endParaRPr lang="en-IN" dirty="0"/>
+          </a:p>
+          <a:p>
+            <a:r>
+              <a:rPr lang="en-US" dirty="0" err="1"/>
+              <a:t>Semgrep</a:t>
+            </a:r>
+            <a:r>
+              <a:rPr lang="en-US" dirty="0"/>
+              <a:t> focuses on speed and ease-of-use</a:t>
+            </a:r>
+            <a:endParaRPr lang="en-IN" dirty="0"/>
+          </a:p>
+        </p:txBody>
+      </p:sp>
+    </p:spTree>
+    <p:extLst>
+      <p:ext uri="{BB962C8B-B14F-4D97-AF65-F5344CB8AC3E}">
+        <p14:creationId xmlns:p14="http://schemas.microsoft.com/office/powerpoint/2010/main" val="974258681"/>
+      </p:ext>
+    </p:extLst>
+  </p:cSld>
+  <p:clrMapOvr>
+    <a:masterClrMapping/>
+  </p:clrMapOvr>
+</p:sld>
+</file>
+
+<file path=ppt/slides/slide18.xml><?xml version="1.0" encoding="utf-8"?>
+<p:sld xmlns:a="http://schemas.openxmlformats.org/drawingml/2006/main" xmlns:r="http://schemas.openxmlformats.org/officeDocument/2006/relationships" xmlns:p="http://schemas.openxmlformats.org/presentationml/2006/main">
+  <p:cSld>
+    <p:spTree>
+      <p:nvGrpSpPr>
+        <p:cNvPr id="1" name=""/>
+        <p:cNvGrpSpPr/>
+        <p:nvPr/>
+      </p:nvGrpSpPr>
+      <p:grpSpPr>
+        <a:xfrm>
+          <a:off x="0" y="0"/>
+          <a:ext cx="0" cy="0"/>
+          <a:chOff x="0" y="0"/>
+          <a:chExt cx="0" cy="0"/>
+        </a:xfrm>
+      </p:grpSpPr>
+      <p:sp>
+        <p:nvSpPr>
+          <p:cNvPr id="2" name="Title 1">
+            <a:extLst>
+              <a:ext uri="{FF2B5EF4-FFF2-40B4-BE49-F238E27FC236}">
+                <a16:creationId xmlns:a16="http://schemas.microsoft.com/office/drawing/2014/main" id="{5EA79BA8-FDB2-E1CB-90EF-1671F8F4D7CB}"/>
+              </a:ext>
+            </a:extLst>
+          </p:cNvPr>
+          <p:cNvSpPr>
+            <a:spLocks noGrp="1"/>
+          </p:cNvSpPr>
+          <p:nvPr>
+            <p:ph type="title"/>
+          </p:nvPr>
+        </p:nvSpPr>
+        <p:spPr/>
+        <p:txBody>
+          <a:bodyPr/>
+          <a:lstStyle/>
+          <a:p>
+            <a:r>
+              <a:rPr lang="en-IN" dirty="0"/>
+              <a:t>Limitations</a:t>
+            </a:r>
+          </a:p>
+        </p:txBody>
+      </p:sp>
+      <p:sp>
+        <p:nvSpPr>
+          <p:cNvPr id="3" name="Content Placeholder 2">
+            <a:extLst>
+              <a:ext uri="{FF2B5EF4-FFF2-40B4-BE49-F238E27FC236}">
+                <a16:creationId xmlns:a16="http://schemas.microsoft.com/office/drawing/2014/main" id="{EF77BA37-0EB8-13D1-E682-DEC6781E44B6}"/>
+              </a:ext>
+            </a:extLst>
+          </p:cNvPr>
+          <p:cNvSpPr>
+            <a:spLocks noGrp="1"/>
+          </p:cNvSpPr>
+          <p:nvPr>
+            <p:ph idx="1"/>
+          </p:nvPr>
+        </p:nvSpPr>
+        <p:spPr/>
+        <p:txBody>
+          <a:bodyPr/>
+          <a:lstStyle/>
+          <a:p>
+            <a:r>
+              <a:rPr lang="en-IN" dirty="0"/>
+              <a:t>Less number of language support</a:t>
+            </a:r>
+          </a:p>
+          <a:p>
+            <a:r>
+              <a:rPr lang="en-IN" dirty="0"/>
+              <a:t>Less number of prebuilt rules</a:t>
+            </a:r>
+          </a:p>
+          <a:p>
+            <a:r>
+              <a:rPr lang="en-IN" dirty="0" err="1"/>
+              <a:t>Semgre</a:t>
+            </a:r>
+            <a:r>
+              <a:rPr lang="en-IN" dirty="0"/>
+              <a:t> OSS engine vs </a:t>
+            </a:r>
+            <a:r>
+              <a:rPr lang="en-IN" dirty="0" err="1"/>
+              <a:t>Semgrep</a:t>
+            </a:r>
+            <a:r>
+              <a:rPr lang="en-IN" dirty="0"/>
+              <a:t> </a:t>
+            </a:r>
+            <a:r>
+              <a:rPr lang="en-IN"/>
+              <a:t>Cloud Platform</a:t>
+            </a:r>
+          </a:p>
+        </p:txBody>
+      </p:sp>
+    </p:spTree>
+    <p:extLst>
+      <p:ext uri="{BB962C8B-B14F-4D97-AF65-F5344CB8AC3E}">
+        <p14:creationId xmlns:p14="http://schemas.microsoft.com/office/powerpoint/2010/main" val="3922518239"/>
+      </p:ext>
+    </p:extLst>
+  </p:cSld>
+  <p:clrMapOvr>
+    <a:masterClrMapping/>
+  </p:clrMapOvr>
+</p:sld>
+</file>
+
+<file path=ppt/slides/slide19.xml><?xml version="1.0" encoding="utf-8"?>
+<p:sld xmlns:a="http://schemas.openxmlformats.org/drawingml/2006/main" xmlns:r="http://schemas.openxmlformats.org/officeDocument/2006/relationships" xmlns:p="http://schemas.openxmlformats.org/presentationml/2006/main">
+  <p:cSld>
+    <p:spTree>
+      <p:nvGrpSpPr>
+        <p:cNvPr id="1" name=""/>
+        <p:cNvGrpSpPr/>
+        <p:nvPr/>
+      </p:nvGrpSpPr>
+      <p:grpSpPr>
+        <a:xfrm>
+          <a:off x="0" y="0"/>
+          <a:ext cx="0" cy="0"/>
+          <a:chOff x="0" y="0"/>
+          <a:chExt cx="0" cy="0"/>
+        </a:xfrm>
+      </p:grpSpPr>
+      <p:sp>
+        <p:nvSpPr>
+          <p:cNvPr id="2" name="Title 1">
+            <a:extLst>
+              <a:ext uri="{FF2B5EF4-FFF2-40B4-BE49-F238E27FC236}">
+                <a16:creationId xmlns:a16="http://schemas.microsoft.com/office/drawing/2014/main" id="{B0B5A4CD-4810-967D-B644-013B00F9A204}"/>
+              </a:ext>
+            </a:extLst>
+          </p:cNvPr>
+          <p:cNvSpPr>
+            <a:spLocks noGrp="1"/>
+          </p:cNvSpPr>
+          <p:nvPr>
+            <p:ph type="title"/>
+          </p:nvPr>
+        </p:nvSpPr>
+        <p:spPr/>
+        <p:txBody>
+          <a:bodyPr/>
+          <a:lstStyle/>
+          <a:p>
+            <a:r>
+              <a:rPr lang="en-IN" dirty="0"/>
+              <a:t>Q&amp;A</a:t>
+            </a:r>
+          </a:p>
+        </p:txBody>
+      </p:sp>
+      <p:sp>
+        <p:nvSpPr>
+          <p:cNvPr id="3" name="Content Placeholder 2">
+            <a:extLst>
+              <a:ext uri="{FF2B5EF4-FFF2-40B4-BE49-F238E27FC236}">
+                <a16:creationId xmlns:a16="http://schemas.microsoft.com/office/drawing/2014/main" id="{988EA732-40F4-B331-178E-8FE9E34EF778}"/>
+              </a:ext>
+            </a:extLst>
+          </p:cNvPr>
+          <p:cNvSpPr>
+            <a:spLocks noGrp="1"/>
+          </p:cNvSpPr>
+          <p:nvPr>
+            <p:ph idx="1"/>
+          </p:nvPr>
+        </p:nvSpPr>
+        <p:spPr/>
+        <p:txBody>
+          <a:bodyPr/>
+          <a:lstStyle/>
+          <a:p>
+            <a:endParaRPr lang="en-IN" dirty="0"/>
+          </a:p>
+        </p:txBody>
+      </p:sp>
+    </p:spTree>
+    <p:extLst>
+      <p:ext uri="{BB962C8B-B14F-4D97-AF65-F5344CB8AC3E}">
+        <p14:creationId xmlns:p14="http://schemas.microsoft.com/office/powerpoint/2010/main" val="1301676125"/>
       </p:ext>
     </p:extLst>
   </p:cSld>
@@ -8135,6 +9014,139 @@
           <p:cNvPr id="2" name="Title 1">
             <a:extLst>
               <a:ext uri="{FF2B5EF4-FFF2-40B4-BE49-F238E27FC236}">
+                <a16:creationId xmlns:a16="http://schemas.microsoft.com/office/drawing/2014/main" id="{67124638-9B59-8220-1A6B-F1A531C42664}"/>
+              </a:ext>
+            </a:extLst>
+          </p:cNvPr>
+          <p:cNvSpPr>
+            <a:spLocks noGrp="1"/>
+          </p:cNvSpPr>
+          <p:nvPr>
+            <p:ph type="title"/>
+          </p:nvPr>
+        </p:nvSpPr>
+        <p:spPr/>
+        <p:txBody>
+          <a:bodyPr/>
+          <a:lstStyle/>
+          <a:p>
+            <a:r>
+              <a:rPr lang="en-IN" dirty="0" err="1"/>
+              <a:t>Semgrep</a:t>
+            </a:r>
+            <a:r>
+              <a:rPr lang="en-IN" dirty="0"/>
+              <a:t> ecosystem Products</a:t>
+            </a:r>
+          </a:p>
+        </p:txBody>
+      </p:sp>
+      <p:sp>
+        <p:nvSpPr>
+          <p:cNvPr id="3" name="Content Placeholder 2">
+            <a:extLst>
+              <a:ext uri="{FF2B5EF4-FFF2-40B4-BE49-F238E27FC236}">
+                <a16:creationId xmlns:a16="http://schemas.microsoft.com/office/drawing/2014/main" id="{1451FEDB-6296-BEF0-C4B7-9A33E8B8AD25}"/>
+              </a:ext>
+            </a:extLst>
+          </p:cNvPr>
+          <p:cNvSpPr>
+            <a:spLocks noGrp="1"/>
+          </p:cNvSpPr>
+          <p:nvPr>
+            <p:ph idx="1"/>
+          </p:nvPr>
+        </p:nvSpPr>
+        <p:spPr/>
+        <p:txBody>
+          <a:bodyPr/>
+          <a:lstStyle/>
+          <a:p>
+            <a:r>
+              <a:rPr lang="en-IN" dirty="0" err="1"/>
+              <a:t>Semgrep</a:t>
+            </a:r>
+            <a:r>
+              <a:rPr lang="en-IN" dirty="0"/>
+              <a:t> –</a:t>
+            </a:r>
+            <a:r>
+              <a:rPr lang="en-IN" dirty="0" err="1"/>
+              <a:t>semgrep</a:t>
+            </a:r>
+            <a:r>
+              <a:rPr lang="en-IN" dirty="0"/>
+              <a:t> OSS engine</a:t>
+            </a:r>
+          </a:p>
+          <a:p>
+            <a:r>
+              <a:rPr lang="en-IN" dirty="0" err="1"/>
+              <a:t>Semgrep</a:t>
+            </a:r>
+            <a:r>
+              <a:rPr lang="en-IN" dirty="0"/>
+              <a:t> code with </a:t>
+            </a:r>
+            <a:r>
+              <a:rPr lang="en-IN" dirty="0" err="1"/>
+              <a:t>Semgrep</a:t>
+            </a:r>
+            <a:r>
+              <a:rPr lang="en-IN" dirty="0"/>
+              <a:t> Cloud Platform</a:t>
+            </a:r>
+          </a:p>
+          <a:p>
+            <a:r>
+              <a:rPr lang="en-IN" dirty="0" err="1"/>
+              <a:t>Semgrep</a:t>
+            </a:r>
+            <a:r>
+              <a:rPr lang="en-IN" dirty="0"/>
+              <a:t> Supply chain</a:t>
+            </a:r>
+          </a:p>
+          <a:p>
+            <a:endParaRPr lang="en-IN" dirty="0"/>
+          </a:p>
+        </p:txBody>
+      </p:sp>
+    </p:spTree>
+    <p:extLst>
+      <p:ext uri="{BB962C8B-B14F-4D97-AF65-F5344CB8AC3E}">
+        <p14:creationId xmlns:p14="http://schemas.microsoft.com/office/powerpoint/2010/main" val="2240772773"/>
+      </p:ext>
+    </p:extLst>
+  </p:cSld>
+  <p:clrMapOvr>
+    <a:masterClrMapping/>
+  </p:clrMapOvr>
+</p:sld>
+</file>
+
+<file path=ppt/slides/slide5.xml><?xml version="1.0" encoding="utf-8"?>
+<p:sld xmlns:a="http://schemas.openxmlformats.org/drawingml/2006/main" xmlns:r="http://schemas.openxmlformats.org/officeDocument/2006/relationships" xmlns:p="http://schemas.openxmlformats.org/presentationml/2006/main">
+  <p:cSld>
+    <p:spTree>
+      <p:nvGrpSpPr>
+        <p:cNvPr id="1" name=""/>
+        <p:cNvGrpSpPr/>
+        <p:nvPr/>
+      </p:nvGrpSpPr>
+      <p:grpSpPr>
+        <a:xfrm>
+          <a:off x="0" y="0"/>
+          <a:ext cx="0" cy="0"/>
+          <a:chOff x="0" y="0"/>
+          <a:chExt cx="0" cy="0"/>
+        </a:xfrm>
+      </p:grpSpPr>
+      <p:sp>
+        <p:nvSpPr>
+          <p:cNvPr id="2" name="Title 1">
+            <a:extLst>
+              <a:ext uri="{FF2B5EF4-FFF2-40B4-BE49-F238E27FC236}">
                 <a16:creationId xmlns:a16="http://schemas.microsoft.com/office/drawing/2014/main" id="{73080574-7653-1E50-DCE9-A11A7C38F26A}"/>
               </a:ext>
             </a:extLst>
@@ -8148,14 +9160,20 @@
         </p:nvSpPr>
         <p:spPr/>
         <p:txBody>
-          <a:bodyPr/>
+          <a:bodyPr>
+            <a:normAutofit/>
+          </a:bodyPr>
           <a:lstStyle/>
           <a:p>
             <a:r>
-              <a:rPr lang="en-US" dirty="0"/>
-              <a:t>Installation on Windows (Using WSL)</a:t>
-            </a:r>
-            <a:endParaRPr lang="en-IN" dirty="0"/>
+              <a:rPr lang="en-US" sz="2800" dirty="0" err="1"/>
+              <a:t>Semgrep</a:t>
+            </a:r>
+            <a:r>
+              <a:rPr lang="en-US" sz="2800" dirty="0"/>
+              <a:t> OSS Engine on Windows Locally (Using WSL)</a:t>
+            </a:r>
+            <a:endParaRPr lang="en-IN" sz="2800" dirty="0"/>
           </a:p>
         </p:txBody>
       </p:sp>
@@ -8177,8 +9195,8 @@
         </p:nvSpPr>
         <p:spPr bwMode="auto">
           <a:xfrm>
-            <a:off x="764296" y="2835109"/>
-            <a:ext cx="8741496" cy="923330"/>
+            <a:off x="764296" y="2004115"/>
+            <a:ext cx="8741496" cy="2585323"/>
           </a:xfrm>
           <a:prstGeom prst="rect">
             <a:avLst/>
@@ -8327,6 +9345,201 @@
               <a:t> for a native experience.</a:t>
             </a:r>
           </a:p>
+          <a:p>
+            <a:pPr marL="0" marR="0" lvl="0" indent="0" algn="l" defTabSz="914400" rtl="0" eaLnBrk="0" fontAlgn="base" latinLnBrk="0" hangingPunct="0">
+              <a:lnSpc>
+                <a:spcPct val="100000"/>
+              </a:lnSpc>
+              <a:spcBef>
+                <a:spcPct val="0"/>
+              </a:spcBef>
+              <a:spcAft>
+                <a:spcPct val="0"/>
+              </a:spcAft>
+              <a:buClrTx/>
+              <a:buSzTx/>
+              <a:buNone/>
+              <a:tabLst/>
+            </a:pPr>
+            <a:endParaRPr kumimoji="0" lang="en-US" altLang="en-US" sz="1800" b="0" i="0" u="none" strike="noStrike" cap="none" normalizeH="0" baseline="0" dirty="0">
+              <a:ln>
+                <a:noFill/>
+              </a:ln>
+              <a:solidFill>
+                <a:schemeClr val="tx1"/>
+              </a:solidFill>
+              <a:effectLst/>
+              <a:latin typeface="Arial" panose="020B0604020202020204" pitchFamily="34" charset="0"/>
+            </a:endParaRPr>
+          </a:p>
+          <a:p>
+            <a:pPr marL="0" indent="0" eaLnBrk="0" fontAlgn="base" hangingPunct="0">
+              <a:lnSpc>
+                <a:spcPct val="100000"/>
+              </a:lnSpc>
+              <a:spcBef>
+                <a:spcPct val="0"/>
+              </a:spcBef>
+              <a:spcAft>
+                <a:spcPct val="0"/>
+              </a:spcAft>
+              <a:buNone/>
+            </a:pPr>
+            <a:r>
+              <a:rPr lang="en-IN" sz="1800" kern="0" dirty="0" err="1">
+                <a:solidFill>
+                  <a:srgbClr val="393A34"/>
+                </a:solidFill>
+                <a:effectLst/>
+                <a:latin typeface="Courier New" panose="02070309020205020404" pitchFamily="49" charset="0"/>
+                <a:ea typeface="Times New Roman" panose="02020603050405020304" pitchFamily="18" charset="0"/>
+                <a:cs typeface="Times New Roman" panose="02020603050405020304" pitchFamily="18" charset="0"/>
+              </a:rPr>
+              <a:t>semgrep</a:t>
+            </a:r>
+            <a:r>
+              <a:rPr lang="en-IN" sz="1800" kern="0" dirty="0">
+                <a:solidFill>
+                  <a:srgbClr val="393A34"/>
+                </a:solidFill>
+                <a:effectLst/>
+                <a:latin typeface="Courier New" panose="02070309020205020404" pitchFamily="49" charset="0"/>
+                <a:ea typeface="Times New Roman" panose="02020603050405020304" pitchFamily="18" charset="0"/>
+                <a:cs typeface="Times New Roman" panose="02020603050405020304" pitchFamily="18" charset="0"/>
+              </a:rPr>
+              <a:t> login &amp;&amp; </a:t>
+            </a:r>
+            <a:r>
+              <a:rPr lang="en-IN" sz="1800" kern="0" dirty="0" err="1">
+                <a:solidFill>
+                  <a:srgbClr val="393A34"/>
+                </a:solidFill>
+                <a:effectLst/>
+                <a:latin typeface="Courier New" panose="02070309020205020404" pitchFamily="49" charset="0"/>
+                <a:ea typeface="Times New Roman" panose="02020603050405020304" pitchFamily="18" charset="0"/>
+                <a:cs typeface="Times New Roman" panose="02020603050405020304" pitchFamily="18" charset="0"/>
+              </a:rPr>
+              <a:t>semgrep</a:t>
+            </a:r>
+            <a:r>
+              <a:rPr lang="en-IN" sz="1800" kern="0" dirty="0">
+                <a:solidFill>
+                  <a:srgbClr val="393A34"/>
+                </a:solidFill>
+                <a:effectLst/>
+                <a:latin typeface="Courier New" panose="02070309020205020404" pitchFamily="49" charset="0"/>
+                <a:ea typeface="Times New Roman" panose="02020603050405020304" pitchFamily="18" charset="0"/>
+                <a:cs typeface="Times New Roman" panose="02020603050405020304" pitchFamily="18" charset="0"/>
+              </a:rPr>
+              <a:t> ci</a:t>
+            </a:r>
+          </a:p>
+          <a:p>
+            <a:pPr marL="0" indent="0" eaLnBrk="0" fontAlgn="base" hangingPunct="0">
+              <a:lnSpc>
+                <a:spcPct val="100000"/>
+              </a:lnSpc>
+              <a:spcBef>
+                <a:spcPct val="0"/>
+              </a:spcBef>
+              <a:spcAft>
+                <a:spcPct val="0"/>
+              </a:spcAft>
+              <a:buNone/>
+            </a:pPr>
+            <a:endParaRPr lang="en-IN" sz="1800" kern="0" dirty="0">
+              <a:solidFill>
+                <a:srgbClr val="393A34"/>
+              </a:solidFill>
+              <a:effectLst/>
+              <a:latin typeface="Courier New" panose="02070309020205020404" pitchFamily="49" charset="0"/>
+              <a:ea typeface="Times New Roman" panose="02020603050405020304" pitchFamily="18" charset="0"/>
+              <a:cs typeface="Times New Roman" panose="02020603050405020304" pitchFamily="18" charset="0"/>
+            </a:endParaRPr>
+          </a:p>
+          <a:p>
+            <a:pPr marL="0" indent="0" eaLnBrk="0" fontAlgn="base" hangingPunct="0">
+              <a:lnSpc>
+                <a:spcPct val="100000"/>
+              </a:lnSpc>
+              <a:spcBef>
+                <a:spcPct val="0"/>
+              </a:spcBef>
+              <a:spcAft>
+                <a:spcPct val="0"/>
+              </a:spcAft>
+              <a:buNone/>
+            </a:pPr>
+            <a:r>
+              <a:rPr lang="en-IN" sz="1800" kern="0" dirty="0" err="1">
+                <a:solidFill>
+                  <a:srgbClr val="393A34"/>
+                </a:solidFill>
+                <a:latin typeface="Courier New" panose="02070309020205020404" pitchFamily="49" charset="0"/>
+                <a:ea typeface="Calibri" panose="020F0502020204030204" pitchFamily="34" charset="0"/>
+                <a:cs typeface="Times New Roman" panose="02020603050405020304" pitchFamily="18" charset="0"/>
+              </a:rPr>
+              <a:t>semgrep</a:t>
+            </a:r>
+            <a:r>
+              <a:rPr lang="en-IN" sz="1800" kern="0" dirty="0">
+                <a:solidFill>
+                  <a:srgbClr val="393A34"/>
+                </a:solidFill>
+                <a:latin typeface="Courier New" panose="02070309020205020404" pitchFamily="49" charset="0"/>
+                <a:ea typeface="Calibri" panose="020F0502020204030204" pitchFamily="34" charset="0"/>
+                <a:cs typeface="Times New Roman" panose="02020603050405020304" pitchFamily="18" charset="0"/>
+              </a:rPr>
+              <a:t> scan --config=auto</a:t>
+            </a:r>
+          </a:p>
+          <a:p>
+            <a:pPr marL="0" indent="0" eaLnBrk="0" fontAlgn="base" hangingPunct="0">
+              <a:lnSpc>
+                <a:spcPct val="100000"/>
+              </a:lnSpc>
+              <a:spcBef>
+                <a:spcPct val="0"/>
+              </a:spcBef>
+              <a:spcAft>
+                <a:spcPct val="0"/>
+              </a:spcAft>
+              <a:buNone/>
+            </a:pPr>
+            <a:endParaRPr lang="en-IN" sz="1800" kern="100" dirty="0">
+              <a:effectLst/>
+              <a:latin typeface="Calibri" panose="020F0502020204030204" pitchFamily="34" charset="0"/>
+              <a:ea typeface="Calibri" panose="020F0502020204030204" pitchFamily="34" charset="0"/>
+              <a:cs typeface="Times New Roman" panose="02020603050405020304" pitchFamily="18" charset="0"/>
+            </a:endParaRPr>
+          </a:p>
+          <a:p>
+            <a:pPr marL="0" marR="0" lvl="0" indent="0" algn="l" defTabSz="914400" rtl="0" eaLnBrk="0" fontAlgn="base" latinLnBrk="0" hangingPunct="0">
+              <a:lnSpc>
+                <a:spcPct val="100000"/>
+              </a:lnSpc>
+              <a:spcBef>
+                <a:spcPct val="0"/>
+              </a:spcBef>
+              <a:spcAft>
+                <a:spcPct val="0"/>
+              </a:spcAft>
+              <a:buClrTx/>
+              <a:buSzTx/>
+              <a:buNone/>
+              <a:tabLst/>
+            </a:pPr>
+            <a:endParaRPr kumimoji="0" lang="en-US" altLang="en-US" sz="1800" b="0" i="0" u="none" strike="noStrike" cap="none" normalizeH="0" baseline="0" dirty="0">
+              <a:ln>
+                <a:noFill/>
+              </a:ln>
+              <a:solidFill>
+                <a:schemeClr val="tx1"/>
+              </a:solidFill>
+              <a:effectLst/>
+              <a:latin typeface="Arial" panose="020B0604020202020204" pitchFamily="34" charset="0"/>
+            </a:endParaRPr>
+          </a:p>
         </p:txBody>
       </p:sp>
     </p:spTree>
@@ -8342,7 +9555,7 @@
 </p:sld>
 </file>
 
-<file path=ppt/slides/slide5.xml><?xml version="1.0" encoding="utf-8"?>
+<file path=ppt/slides/slide6.xml><?xml version="1.0" encoding="utf-8"?>
 <p:sld xmlns:a="http://schemas.openxmlformats.org/drawingml/2006/main" xmlns:r="http://schemas.openxmlformats.org/officeDocument/2006/relationships" xmlns:p="http://schemas.openxmlformats.org/presentationml/2006/main">
   <p:cSld>
     <p:spTree>
@@ -8364,6 +9577,161 @@
           <p:cNvPr id="2" name="Title 1">
             <a:extLst>
               <a:ext uri="{FF2B5EF4-FFF2-40B4-BE49-F238E27FC236}">
+                <a16:creationId xmlns:a16="http://schemas.microsoft.com/office/drawing/2014/main" id="{FA48CFE3-8EDB-444B-9E93-740755CDBE01}"/>
+              </a:ext>
+            </a:extLst>
+          </p:cNvPr>
+          <p:cNvSpPr>
+            <a:spLocks noGrp="1"/>
+          </p:cNvSpPr>
+          <p:nvPr>
+            <p:ph type="title"/>
+          </p:nvPr>
+        </p:nvSpPr>
+        <p:spPr/>
+        <p:txBody>
+          <a:bodyPr/>
+          <a:lstStyle/>
+          <a:p>
+            <a:r>
+              <a:rPr lang="en-IN" dirty="0" err="1"/>
+              <a:t>Semgrep</a:t>
+            </a:r>
+            <a:r>
+              <a:rPr lang="en-IN" dirty="0"/>
+              <a:t> code with </a:t>
+            </a:r>
+            <a:r>
+              <a:rPr lang="en-IN" dirty="0" err="1"/>
+              <a:t>Semgrep</a:t>
+            </a:r>
+            <a:r>
+              <a:rPr lang="en-IN" dirty="0"/>
+              <a:t> Cloud Platform</a:t>
+            </a:r>
+          </a:p>
+        </p:txBody>
+      </p:sp>
+      <p:sp>
+        <p:nvSpPr>
+          <p:cNvPr id="3" name="Content Placeholder 2">
+            <a:extLst>
+              <a:ext uri="{FF2B5EF4-FFF2-40B4-BE49-F238E27FC236}">
+                <a16:creationId xmlns:a16="http://schemas.microsoft.com/office/drawing/2014/main" id="{CB2BF2AF-1F32-E32D-921F-73570FDC19A0}"/>
+              </a:ext>
+            </a:extLst>
+          </p:cNvPr>
+          <p:cNvSpPr>
+            <a:spLocks noGrp="1"/>
+          </p:cNvSpPr>
+          <p:nvPr>
+            <p:ph idx="1"/>
+          </p:nvPr>
+        </p:nvSpPr>
+        <p:spPr/>
+        <p:txBody>
+          <a:bodyPr/>
+          <a:lstStyle/>
+          <a:p>
+            <a:pPr>
+              <a:lnSpc>
+                <a:spcPct val="107000"/>
+              </a:lnSpc>
+              <a:spcAft>
+                <a:spcPts val="800"/>
+              </a:spcAft>
+            </a:pPr>
+            <a:r>
+              <a:rPr lang="en-IN" sz="1800" kern="100" dirty="0">
+                <a:effectLst/>
+                <a:latin typeface="Calibri" panose="020F0502020204030204" pitchFamily="34" charset="0"/>
+                <a:ea typeface="Calibri" panose="020F0502020204030204" pitchFamily="34" charset="0"/>
+                <a:cs typeface="Times New Roman" panose="02020603050405020304" pitchFamily="18" charset="0"/>
+              </a:rPr>
+              <a:t>Sorting, filtering, triaging, and remediating security issues.</a:t>
+            </a:r>
+          </a:p>
+          <a:p>
+            <a:pPr>
+              <a:lnSpc>
+                <a:spcPct val="107000"/>
+              </a:lnSpc>
+              <a:spcAft>
+                <a:spcPts val="800"/>
+              </a:spcAft>
+            </a:pPr>
+            <a:r>
+              <a:rPr lang="en-IN" sz="1800" kern="100" dirty="0">
+                <a:effectLst/>
+                <a:latin typeface="Calibri" panose="020F0502020204030204" pitchFamily="34" charset="0"/>
+                <a:ea typeface="Calibri" panose="020F0502020204030204" pitchFamily="34" charset="0"/>
+                <a:cs typeface="Times New Roman" panose="02020603050405020304" pitchFamily="18" charset="0"/>
+              </a:rPr>
+              <a:t> Enforcing coding standards through the creation of custom rules.</a:t>
+            </a:r>
+          </a:p>
+          <a:p>
+            <a:pPr>
+              <a:lnSpc>
+                <a:spcPct val="107000"/>
+              </a:lnSpc>
+              <a:spcAft>
+                <a:spcPts val="800"/>
+              </a:spcAft>
+            </a:pPr>
+            <a:r>
+              <a:rPr lang="en-IN" sz="1800" kern="100" dirty="0">
+                <a:effectLst/>
+                <a:latin typeface="Calibri" panose="020F0502020204030204" pitchFamily="34" charset="0"/>
+                <a:ea typeface="Calibri" panose="020F0502020204030204" pitchFamily="34" charset="0"/>
+                <a:cs typeface="Times New Roman" panose="02020603050405020304" pitchFamily="18" charset="0"/>
+              </a:rPr>
+              <a:t>Preventing insecure code from reaching production</a:t>
+            </a:r>
+          </a:p>
+          <a:p>
+            <a:pPr marL="0" indent="0">
+              <a:buNone/>
+            </a:pPr>
+            <a:endParaRPr lang="en-IN" dirty="0"/>
+          </a:p>
+        </p:txBody>
+      </p:sp>
+    </p:spTree>
+    <p:extLst>
+      <p:ext uri="{BB962C8B-B14F-4D97-AF65-F5344CB8AC3E}">
+        <p14:creationId xmlns:p14="http://schemas.microsoft.com/office/powerpoint/2010/main" val="1034870210"/>
+      </p:ext>
+    </p:extLst>
+  </p:cSld>
+  <p:clrMapOvr>
+    <a:masterClrMapping/>
+  </p:clrMapOvr>
+</p:sld>
+</file>
+
+<file path=ppt/slides/slide7.xml><?xml version="1.0" encoding="utf-8"?>
+<p:sld xmlns:a="http://schemas.openxmlformats.org/drawingml/2006/main" xmlns:r="http://schemas.openxmlformats.org/officeDocument/2006/relationships" xmlns:p="http://schemas.openxmlformats.org/presentationml/2006/main">
+  <p:cSld>
+    <p:spTree>
+      <p:nvGrpSpPr>
+        <p:cNvPr id="1" name=""/>
+        <p:cNvGrpSpPr/>
+        <p:nvPr/>
+      </p:nvGrpSpPr>
+      <p:grpSpPr>
+        <a:xfrm>
+          <a:off x="0" y="0"/>
+          <a:ext cx="0" cy="0"/>
+          <a:chOff x="0" y="0"/>
+          <a:chExt cx="0" cy="0"/>
+        </a:xfrm>
+      </p:grpSpPr>
+      <p:sp>
+        <p:nvSpPr>
+          <p:cNvPr id="2" name="Title 1">
+            <a:extLst>
+              <a:ext uri="{FF2B5EF4-FFF2-40B4-BE49-F238E27FC236}">
                 <a16:creationId xmlns:a16="http://schemas.microsoft.com/office/drawing/2014/main" id="{AC55CFFD-E9A5-A3D5-54FD-830D33168A8D}"/>
               </a:ext>
             </a:extLst>
@@ -8516,7 +9884,7 @@
 </p:sld>
 </file>
 
-<file path=ppt/slides/slide6.xml><?xml version="1.0" encoding="utf-8"?>
+<file path=ppt/slides/slide8.xml><?xml version="1.0" encoding="utf-8"?>
 <p:sld xmlns:a="http://schemas.openxmlformats.org/drawingml/2006/main" xmlns:r="http://schemas.openxmlformats.org/officeDocument/2006/relationships" xmlns:p="http://schemas.openxmlformats.org/presentationml/2006/main">
   <p:cSld>
     <p:spTree>
@@ -8576,296 +9944,6 @@
 </p:sld>
 </file>
 
-<file path=ppt/slides/slide7.xml><?xml version="1.0" encoding="utf-8"?>
-<p:sld xmlns:a="http://schemas.openxmlformats.org/drawingml/2006/main" xmlns:r="http://schemas.openxmlformats.org/officeDocument/2006/relationships" xmlns:p="http://schemas.openxmlformats.org/presentationml/2006/main">
-  <p:cSld>
-    <p:spTree>
-      <p:nvGrpSpPr>
-        <p:cNvPr id="1" name=""/>
-        <p:cNvGrpSpPr/>
-        <p:nvPr/>
-      </p:nvGrpSpPr>
-      <p:grpSpPr>
-        <a:xfrm>
-          <a:off x="0" y="0"/>
-          <a:ext cx="0" cy="0"/>
-          <a:chOff x="0" y="0"/>
-          <a:chExt cx="0" cy="0"/>
-        </a:xfrm>
-      </p:grpSpPr>
-      <p:sp>
-        <p:nvSpPr>
-          <p:cNvPr id="2" name="Title 1">
-            <a:extLst>
-              <a:ext uri="{FF2B5EF4-FFF2-40B4-BE49-F238E27FC236}">
-                <a16:creationId xmlns:a16="http://schemas.microsoft.com/office/drawing/2014/main" id="{EF1F1CEF-147B-ED2D-E6CA-7C09F29AEBCF}"/>
-              </a:ext>
-            </a:extLst>
-          </p:cNvPr>
-          <p:cNvSpPr>
-            <a:spLocks noGrp="1"/>
-          </p:cNvSpPr>
-          <p:nvPr>
-            <p:ph type="title"/>
-          </p:nvPr>
-        </p:nvSpPr>
-        <p:spPr/>
-        <p:txBody>
-          <a:bodyPr/>
-          <a:lstStyle/>
-          <a:p>
-            <a:r>
-              <a:rPr lang="en-IN" dirty="0"/>
-              <a:t>Pre-built Rules</a:t>
-            </a:r>
-          </a:p>
-        </p:txBody>
-      </p:sp>
-      <p:sp>
-        <p:nvSpPr>
-          <p:cNvPr id="3" name="Content Placeholder 2">
-            <a:extLst>
-              <a:ext uri="{FF2B5EF4-FFF2-40B4-BE49-F238E27FC236}">
-                <a16:creationId xmlns:a16="http://schemas.microsoft.com/office/drawing/2014/main" id="{9FD56174-5E3E-1687-B23E-4A457330731C}"/>
-              </a:ext>
-            </a:extLst>
-          </p:cNvPr>
-          <p:cNvSpPr>
-            <a:spLocks noGrp="1"/>
-          </p:cNvSpPr>
-          <p:nvPr>
-            <p:ph idx="1"/>
-          </p:nvPr>
-        </p:nvSpPr>
-        <p:spPr/>
-        <p:txBody>
-          <a:bodyPr/>
-          <a:lstStyle/>
-          <a:p>
-            <a:pPr>
-              <a:buFont typeface="Arial" panose="020B0604020202020204" pitchFamily="34" charset="0"/>
-              <a:buChar char="•"/>
-            </a:pPr>
-            <a:r>
-              <a:rPr lang="en-US" dirty="0" err="1"/>
-              <a:t>Semgrep</a:t>
-            </a:r>
-            <a:r>
-              <a:rPr lang="en-US" dirty="0"/>
-              <a:t> provides a library of pre-built rules for common issues.</a:t>
-            </a:r>
-          </a:p>
-          <a:p>
-            <a:pPr>
-              <a:buFont typeface="Arial" panose="020B0604020202020204" pitchFamily="34" charset="0"/>
-              <a:buChar char="•"/>
-            </a:pPr>
-            <a:r>
-              <a:rPr lang="en-US" dirty="0"/>
-              <a:t>Examples:</a:t>
-            </a:r>
-          </a:p>
-          <a:p>
-            <a:pPr marL="742950" lvl="1" indent="-285750">
-              <a:buFont typeface="Arial" panose="020B0604020202020204" pitchFamily="34" charset="0"/>
-              <a:buChar char="•"/>
-            </a:pPr>
-            <a:r>
-              <a:rPr lang="en-US" dirty="0"/>
-              <a:t>Security: CWE, OWASP Top 10</a:t>
-            </a:r>
-          </a:p>
-          <a:p>
-            <a:pPr marL="742950" lvl="1" indent="-285750">
-              <a:buFont typeface="Arial" panose="020B0604020202020204" pitchFamily="34" charset="0"/>
-              <a:buChar char="•"/>
-            </a:pPr>
-            <a:r>
-              <a:rPr lang="en-US" dirty="0"/>
-              <a:t>Code Quality: PEP8, Go Vet, </a:t>
-            </a:r>
-            <a:r>
-              <a:rPr lang="en-US" dirty="0" err="1"/>
-              <a:t>ESLint</a:t>
-            </a:r>
-            <a:endParaRPr lang="en-US" dirty="0"/>
-          </a:p>
-          <a:p>
-            <a:pPr marL="742950" lvl="1" indent="-285750">
-              <a:buFont typeface="Arial" panose="020B0604020202020204" pitchFamily="34" charset="0"/>
-              <a:buChar char="•"/>
-            </a:pPr>
-            <a:r>
-              <a:rPr lang="en-US" dirty="0"/>
-              <a:t>Framework-specific: Django, React, Angular</a:t>
-            </a:r>
-          </a:p>
-          <a:p>
-            <a:endParaRPr lang="en-IN" dirty="0"/>
-          </a:p>
-        </p:txBody>
-      </p:sp>
-    </p:spTree>
-    <p:extLst>
-      <p:ext uri="{BB962C8B-B14F-4D97-AF65-F5344CB8AC3E}">
-        <p14:creationId xmlns:p14="http://schemas.microsoft.com/office/powerpoint/2010/main" val="923786543"/>
-      </p:ext>
-    </p:extLst>
-  </p:cSld>
-  <p:clrMapOvr>
-    <a:masterClrMapping/>
-  </p:clrMapOvr>
-</p:sld>
-</file>
-
-<file path=ppt/slides/slide8.xml><?xml version="1.0" encoding="utf-8"?>
-<p:sld xmlns:a="http://schemas.openxmlformats.org/drawingml/2006/main" xmlns:r="http://schemas.openxmlformats.org/officeDocument/2006/relationships" xmlns:p="http://schemas.openxmlformats.org/presentationml/2006/main">
-  <p:cSld>
-    <p:spTree>
-      <p:nvGrpSpPr>
-        <p:cNvPr id="1" name=""/>
-        <p:cNvGrpSpPr/>
-        <p:nvPr/>
-      </p:nvGrpSpPr>
-      <p:grpSpPr>
-        <a:xfrm>
-          <a:off x="0" y="0"/>
-          <a:ext cx="0" cy="0"/>
-          <a:chOff x="0" y="0"/>
-          <a:chExt cx="0" cy="0"/>
-        </a:xfrm>
-      </p:grpSpPr>
-      <p:sp>
-        <p:nvSpPr>
-          <p:cNvPr id="2" name="Title 1">
-            <a:extLst>
-              <a:ext uri="{FF2B5EF4-FFF2-40B4-BE49-F238E27FC236}">
-                <a16:creationId xmlns:a16="http://schemas.microsoft.com/office/drawing/2014/main" id="{16FCDD95-0C5A-BA10-6ABF-04621D088DC6}"/>
-              </a:ext>
-            </a:extLst>
-          </p:cNvPr>
-          <p:cNvSpPr>
-            <a:spLocks noGrp="1"/>
-          </p:cNvSpPr>
-          <p:nvPr>
-            <p:ph type="title"/>
-          </p:nvPr>
-        </p:nvSpPr>
-        <p:spPr/>
-        <p:txBody>
-          <a:bodyPr/>
-          <a:lstStyle/>
-          <a:p>
-            <a:r>
-              <a:rPr lang="en-IN" dirty="0"/>
-              <a:t>Writing Rules</a:t>
-            </a:r>
-          </a:p>
-        </p:txBody>
-      </p:sp>
-      <p:sp>
-        <p:nvSpPr>
-          <p:cNvPr id="3" name="Content Placeholder 2">
-            <a:extLst>
-              <a:ext uri="{FF2B5EF4-FFF2-40B4-BE49-F238E27FC236}">
-                <a16:creationId xmlns:a16="http://schemas.microsoft.com/office/drawing/2014/main" id="{19459AE7-844B-F247-DCEC-15D1E49A49A3}"/>
-              </a:ext>
-            </a:extLst>
-          </p:cNvPr>
-          <p:cNvSpPr>
-            <a:spLocks noGrp="1"/>
-          </p:cNvSpPr>
-          <p:nvPr>
-            <p:ph idx="1"/>
-          </p:nvPr>
-        </p:nvSpPr>
-        <p:spPr/>
-        <p:txBody>
-          <a:bodyPr/>
-          <a:lstStyle/>
-          <a:p>
-            <a:r>
-              <a:rPr lang="en-IN" dirty="0"/>
-              <a:t>Running rules locally</a:t>
-            </a:r>
-          </a:p>
-          <a:p>
-            <a:pPr lvl="1"/>
-            <a:r>
-              <a:rPr lang="en-IN" dirty="0"/>
-              <a:t>Ephemeral rules </a:t>
-            </a:r>
-          </a:p>
-          <a:p>
-            <a:pPr lvl="2"/>
-            <a:r>
-              <a:rPr lang="en-US" dirty="0" err="1"/>
-              <a:t>semgrep</a:t>
-            </a:r>
-            <a:r>
-              <a:rPr lang="en-US" dirty="0"/>
-              <a:t> -e '$X == $X' --lang=</a:t>
-            </a:r>
-            <a:r>
-              <a:rPr lang="en-US" dirty="0" err="1"/>
-              <a:t>py</a:t>
-            </a:r>
-            <a:r>
-              <a:rPr lang="en-US" dirty="0"/>
-              <a:t> PATH/TO/SRC</a:t>
-            </a:r>
-            <a:endParaRPr lang="en-IN" dirty="0"/>
-          </a:p>
-          <a:p>
-            <a:pPr lvl="1"/>
-            <a:r>
-              <a:rPr lang="en-IN" dirty="0" err="1"/>
-              <a:t>Yaml</a:t>
-            </a:r>
-            <a:endParaRPr lang="en-IN" dirty="0"/>
-          </a:p>
-          <a:p>
-            <a:pPr lvl="2"/>
-            <a:r>
-              <a:rPr lang="en-US" dirty="0" err="1"/>
-              <a:t>semgrep</a:t>
-            </a:r>
-            <a:r>
-              <a:rPr lang="en-US" dirty="0"/>
-              <a:t> scan --config PATH/TO/MYRULE.YAML</a:t>
-            </a:r>
-            <a:endParaRPr lang="en-IN" dirty="0"/>
-          </a:p>
-          <a:p>
-            <a:r>
-              <a:rPr lang="en-IN" dirty="0"/>
-              <a:t>Ellipses</a:t>
-            </a:r>
-          </a:p>
-          <a:p>
-            <a:r>
-              <a:rPr lang="en-IN" dirty="0"/>
-              <a:t>Meta variables</a:t>
-            </a:r>
-          </a:p>
-          <a:p>
-            <a:endParaRPr lang="en-IN" dirty="0"/>
-          </a:p>
-        </p:txBody>
-      </p:sp>
-    </p:spTree>
-    <p:extLst>
-      <p:ext uri="{BB962C8B-B14F-4D97-AF65-F5344CB8AC3E}">
-        <p14:creationId xmlns:p14="http://schemas.microsoft.com/office/powerpoint/2010/main" val="3793369424"/>
-      </p:ext>
-    </p:extLst>
-  </p:cSld>
-  <p:clrMapOvr>
-    <a:masterClrMapping/>
-  </p:clrMapOvr>
-</p:sld>
-</file>
-
 <file path=ppt/slides/slide9.xml><?xml version="1.0" encoding="utf-8"?>
 <p:sld xmlns:a="http://schemas.openxmlformats.org/drawingml/2006/main" xmlns:r="http://schemas.openxmlformats.org/officeDocument/2006/relationships" xmlns:p="http://schemas.openxmlformats.org/presentationml/2006/main">
   <p:cSld>
@@ -8888,7 +9966,7 @@
           <p:cNvPr id="2" name="Title 1">
             <a:extLst>
               <a:ext uri="{FF2B5EF4-FFF2-40B4-BE49-F238E27FC236}">
-                <a16:creationId xmlns:a16="http://schemas.microsoft.com/office/drawing/2014/main" id="{5F8843DF-7C82-3E36-1BD2-E616E0EBB5DD}"/>
+                <a16:creationId xmlns:a16="http://schemas.microsoft.com/office/drawing/2014/main" id="{EF1F1CEF-147B-ED2D-E6CA-7C09F29AEBCF}"/>
               </a:ext>
             </a:extLst>
           </p:cNvPr>
@@ -8906,13 +9984,8 @@
           <a:p>
             <a:r>
               <a:rPr lang="en-IN" dirty="0"/>
-              <a:t>Running </a:t>
-            </a:r>
-            <a:r>
-              <a:rPr lang="en-IN" dirty="0" err="1"/>
-              <a:t>Semgrep</a:t>
-            </a:r>
-            <a:endParaRPr lang="en-IN" dirty="0"/>
+              <a:t>Pre-built Rules</a:t>
+            </a:r>
           </a:p>
         </p:txBody>
       </p:sp>
@@ -8921,7 +9994,7 @@
           <p:cNvPr id="3" name="Content Placeholder 2">
             <a:extLst>
               <a:ext uri="{FF2B5EF4-FFF2-40B4-BE49-F238E27FC236}">
-                <a16:creationId xmlns:a16="http://schemas.microsoft.com/office/drawing/2014/main" id="{46F52820-F5AB-093B-5C78-C33217D70C7F}"/>
+                <a16:creationId xmlns:a16="http://schemas.microsoft.com/office/drawing/2014/main" id="{9FD56174-5E3E-1687-B23E-4A457330731C}"/>
               </a:ext>
             </a:extLst>
           </p:cNvPr>
@@ -8937,37 +10010,66 @@
           <a:bodyPr/>
           <a:lstStyle/>
           <a:p>
+            <a:pPr>
+              <a:buFont typeface="Arial" panose="020B0604020202020204" pitchFamily="34" charset="0"/>
+              <a:buChar char="•"/>
+            </a:pPr>
+            <a:r>
+              <a:rPr lang="en-US" dirty="0" err="1"/>
+              <a:t>Semgrep</a:t>
+            </a:r>
             <a:r>
               <a:rPr lang="en-US" dirty="0"/>
-              <a:t> Use the </a:t>
-            </a:r>
-            <a:r>
-              <a:rPr lang="en-US" dirty="0" err="1"/>
-              <a:t>semgrep</a:t>
-            </a:r>
-            <a:r>
-              <a:rPr lang="en-US" dirty="0"/>
-              <a:t> command in your WSL terminal to scan your codebase.	</a:t>
-            </a:r>
-            <a:r>
-              <a:rPr lang="en-US" dirty="0" err="1"/>
-              <a:t>semgrep</a:t>
-            </a:r>
-            <a:r>
-              <a:rPr lang="en-US" dirty="0"/>
-              <a:t> scan --config=auto</a:t>
-            </a:r>
-          </a:p>
-          <a:p>
-            <a:r>
-              <a:rPr lang="en-US" dirty="0"/>
-              <a:t>    Supports various output formats (JSON, SARIF, etc.).</a:t>
-            </a:r>
-          </a:p>
-          <a:p>
-            <a:r>
-              <a:rPr lang="en-US" dirty="0"/>
-              <a:t>    Easily integrate into CI/CD pipelines.</a:t>
+              <a:t> provides a library of pre-built rules for common issues.</a:t>
+            </a:r>
+          </a:p>
+          <a:p>
+            <a:r>
+              <a:rPr lang="en-IN" sz="1800" dirty="0">
+                <a:effectLst/>
+                <a:latin typeface="Calibri" panose="020F0502020204030204" pitchFamily="34" charset="0"/>
+                <a:ea typeface="Calibri" panose="020F0502020204030204" pitchFamily="34" charset="0"/>
+                <a:cs typeface="Times New Roman" panose="02020603050405020304" pitchFamily="18" charset="0"/>
+              </a:rPr>
+              <a:t>Community rules </a:t>
+            </a:r>
+          </a:p>
+          <a:p>
+            <a:r>
+              <a:rPr lang="en-IN" sz="1800" dirty="0">
+                <a:effectLst/>
+                <a:latin typeface="Calibri" panose="020F0502020204030204" pitchFamily="34" charset="0"/>
+                <a:ea typeface="Calibri" panose="020F0502020204030204" pitchFamily="34" charset="0"/>
+                <a:cs typeface="Times New Roman" panose="02020603050405020304" pitchFamily="18" charset="0"/>
+              </a:rPr>
+              <a:t>Third-party rules </a:t>
+            </a:r>
+            <a:endParaRPr lang="en-IN" sz="1800" dirty="0">
+              <a:latin typeface="Calibri" panose="020F0502020204030204" pitchFamily="34" charset="0"/>
+              <a:ea typeface="Calibri" panose="020F0502020204030204" pitchFamily="34" charset="0"/>
+              <a:cs typeface="Times New Roman" panose="02020603050405020304" pitchFamily="18" charset="0"/>
+            </a:endParaRPr>
+          </a:p>
+          <a:p>
+            <a:r>
+              <a:rPr lang="en-IN" sz="1800" dirty="0">
+                <a:effectLst/>
+                <a:latin typeface="Calibri" panose="020F0502020204030204" pitchFamily="34" charset="0"/>
+                <a:ea typeface="Calibri" panose="020F0502020204030204" pitchFamily="34" charset="0"/>
+                <a:cs typeface="Times New Roman" panose="02020603050405020304" pitchFamily="18" charset="0"/>
+              </a:rPr>
+              <a:t>Private rules </a:t>
+            </a:r>
+          </a:p>
+          <a:p>
+            <a:r>
+              <a:rPr lang="en-IN" sz="1800" dirty="0">
+                <a:effectLst/>
+                <a:latin typeface="Calibri" panose="020F0502020204030204" pitchFamily="34" charset="0"/>
+                <a:ea typeface="Calibri" panose="020F0502020204030204" pitchFamily="34" charset="0"/>
+                <a:cs typeface="Times New Roman" panose="02020603050405020304" pitchFamily="18" charset="0"/>
+              </a:rPr>
+              <a:t>Pro rules </a:t>
             </a:r>
             <a:endParaRPr lang="en-IN" dirty="0"/>
           </a:p>
@@ -8976,7 +10078,7 @@
     </p:spTree>
     <p:extLst>
       <p:ext uri="{BB962C8B-B14F-4D97-AF65-F5344CB8AC3E}">
-        <p14:creationId xmlns:p14="http://schemas.microsoft.com/office/powerpoint/2010/main" val="441703290"/>
+        <p14:creationId xmlns:p14="http://schemas.microsoft.com/office/powerpoint/2010/main" val="923786543"/>
       </p:ext>
     </p:extLst>
   </p:cSld>
